--- a/ゲーミングに使うあれこれ/プレイヤーへの指示/E2_物語のつくり方.pptx
+++ b/ゲーミングに使うあれこれ/プレイヤーへの指示/E2_物語のつくり方.pptx
@@ -18,7 +18,8 @@
     <p:sldId id="267" r:id="rId12"/>
     <p:sldId id="268" r:id="rId13"/>
     <p:sldId id="269" r:id="rId14"/>
-    <p:sldId id="266" r:id="rId15"/>
+    <p:sldId id="271" r:id="rId15"/>
+    <p:sldId id="266" r:id="rId16"/>
   </p:sldIdLst>
   <p:sldSz cx="12192000" cy="6858000"/>
   <p:notesSz cx="6858000" cy="9144000"/>
@@ -272,7 +273,7 @@
           <a:p>
             <a:fld id="{5F654442-9881-4C08-B9C4-C5913156E103}" type="datetimeFigureOut">
               <a:rPr kumimoji="1" lang="ja-JP" altLang="en-US" smtClean="0"/>
-              <a:t>2021/10/27</a:t>
+              <a:t>2021/10/28</a:t>
             </a:fld>
             <a:endParaRPr kumimoji="1" lang="ja-JP" altLang="en-US"/>
           </a:p>
@@ -502,7 +503,7 @@
           <a:p>
             <a:fld id="{5F654442-9881-4C08-B9C4-C5913156E103}" type="datetimeFigureOut">
               <a:rPr kumimoji="1" lang="ja-JP" altLang="en-US" smtClean="0"/>
-              <a:t>2021/10/27</a:t>
+              <a:t>2021/10/28</a:t>
             </a:fld>
             <a:endParaRPr kumimoji="1" lang="ja-JP" altLang="en-US"/>
           </a:p>
@@ -742,7 +743,7 @@
           <a:p>
             <a:fld id="{5F654442-9881-4C08-B9C4-C5913156E103}" type="datetimeFigureOut">
               <a:rPr kumimoji="1" lang="ja-JP" altLang="en-US" smtClean="0"/>
-              <a:t>2021/10/27</a:t>
+              <a:t>2021/10/28</a:t>
             </a:fld>
             <a:endParaRPr kumimoji="1" lang="ja-JP" altLang="en-US"/>
           </a:p>
@@ -972,7 +973,7 @@
           <a:p>
             <a:fld id="{5F654442-9881-4C08-B9C4-C5913156E103}" type="datetimeFigureOut">
               <a:rPr kumimoji="1" lang="ja-JP" altLang="en-US" smtClean="0"/>
-              <a:t>2021/10/27</a:t>
+              <a:t>2021/10/28</a:t>
             </a:fld>
             <a:endParaRPr kumimoji="1" lang="ja-JP" altLang="en-US"/>
           </a:p>
@@ -1247,7 +1248,7 @@
           <a:p>
             <a:fld id="{5F654442-9881-4C08-B9C4-C5913156E103}" type="datetimeFigureOut">
               <a:rPr kumimoji="1" lang="ja-JP" altLang="en-US" smtClean="0"/>
-              <a:t>2021/10/27</a:t>
+              <a:t>2021/10/28</a:t>
             </a:fld>
             <a:endParaRPr kumimoji="1" lang="ja-JP" altLang="en-US"/>
           </a:p>
@@ -1576,7 +1577,7 @@
           <a:p>
             <a:fld id="{5F654442-9881-4C08-B9C4-C5913156E103}" type="datetimeFigureOut">
               <a:rPr kumimoji="1" lang="ja-JP" altLang="en-US" smtClean="0"/>
-              <a:t>2021/10/27</a:t>
+              <a:t>2021/10/28</a:t>
             </a:fld>
             <a:endParaRPr kumimoji="1" lang="ja-JP" altLang="en-US"/>
           </a:p>
@@ -2052,7 +2053,7 @@
           <a:p>
             <a:fld id="{5F654442-9881-4C08-B9C4-C5913156E103}" type="datetimeFigureOut">
               <a:rPr kumimoji="1" lang="ja-JP" altLang="en-US" smtClean="0"/>
-              <a:t>2021/10/27</a:t>
+              <a:t>2021/10/28</a:t>
             </a:fld>
             <a:endParaRPr kumimoji="1" lang="ja-JP" altLang="en-US"/>
           </a:p>
@@ -2193,7 +2194,7 @@
           <a:p>
             <a:fld id="{5F654442-9881-4C08-B9C4-C5913156E103}" type="datetimeFigureOut">
               <a:rPr kumimoji="1" lang="ja-JP" altLang="en-US" smtClean="0"/>
-              <a:t>2021/10/27</a:t>
+              <a:t>2021/10/28</a:t>
             </a:fld>
             <a:endParaRPr kumimoji="1" lang="ja-JP" altLang="en-US"/>
           </a:p>
@@ -2306,7 +2307,7 @@
           <a:p>
             <a:fld id="{5F654442-9881-4C08-B9C4-C5913156E103}" type="datetimeFigureOut">
               <a:rPr kumimoji="1" lang="ja-JP" altLang="en-US" smtClean="0"/>
-              <a:t>2021/10/27</a:t>
+              <a:t>2021/10/28</a:t>
             </a:fld>
             <a:endParaRPr kumimoji="1" lang="ja-JP" altLang="en-US"/>
           </a:p>
@@ -2649,7 +2650,7 @@
           <a:p>
             <a:fld id="{5F654442-9881-4C08-B9C4-C5913156E103}" type="datetimeFigureOut">
               <a:rPr kumimoji="1" lang="ja-JP" altLang="en-US" smtClean="0"/>
-              <a:t>2021/10/27</a:t>
+              <a:t>2021/10/28</a:t>
             </a:fld>
             <a:endParaRPr kumimoji="1" lang="ja-JP" altLang="en-US"/>
           </a:p>
@@ -2937,7 +2938,7 @@
           <a:p>
             <a:fld id="{5F654442-9881-4C08-B9C4-C5913156E103}" type="datetimeFigureOut">
               <a:rPr kumimoji="1" lang="ja-JP" altLang="en-US" smtClean="0"/>
-              <a:t>2021/10/27</a:t>
+              <a:t>2021/10/28</a:t>
             </a:fld>
             <a:endParaRPr kumimoji="1" lang="ja-JP" altLang="en-US"/>
           </a:p>
@@ -3210,7 +3211,7 @@
           <a:p>
             <a:fld id="{5F654442-9881-4C08-B9C4-C5913156E103}" type="datetimeFigureOut">
               <a:rPr kumimoji="1" lang="ja-JP" altLang="en-US" smtClean="0"/>
-              <a:t>2021/10/27</a:t>
+              <a:t>2021/10/28</a:t>
             </a:fld>
             <a:endParaRPr kumimoji="1" lang="ja-JP" altLang="en-US"/>
           </a:p>
@@ -3792,7 +3793,31 @@
           <a:p>
             <a:r>
               <a:rPr kumimoji="1" lang="ja-JP" altLang="en-US" dirty="0"/>
-              <a:t>エピソードをつくる作業は、「衣服との新しいつきあい方」を実践するにあたり、「うまく行きそうな状況」「うまく行かなそうな状況」を考えることを軸にして進めていきます</a:t>
+              <a:t>エピソードをつくる作業は、「衣服との新しいつきあい方」を実践するにあたり、「</a:t>
+            </a:r>
+            <a:r>
+              <a:rPr kumimoji="1" lang="ja-JP" altLang="en-US" dirty="0">
+                <a:solidFill>
+                  <a:srgbClr val="FF0000"/>
+                </a:solidFill>
+              </a:rPr>
+              <a:t>うまく行きそうな状況</a:t>
+            </a:r>
+            <a:r>
+              <a:rPr kumimoji="1" lang="ja-JP" altLang="en-US" dirty="0"/>
+              <a:t>」「</a:t>
+            </a:r>
+            <a:r>
+              <a:rPr kumimoji="1" lang="ja-JP" altLang="en-US" dirty="0">
+                <a:solidFill>
+                  <a:srgbClr val="FF0000"/>
+                </a:solidFill>
+              </a:rPr>
+              <a:t>うまく行かなそうな状況</a:t>
+            </a:r>
+            <a:r>
+              <a:rPr kumimoji="1" lang="ja-JP" altLang="en-US" dirty="0"/>
+              <a:t>」を考えることを軸にして進めていきます</a:t>
             </a:r>
             <a:endParaRPr kumimoji="1" lang="en-US" altLang="ja-JP" dirty="0"/>
           </a:p>
@@ -3810,7 +3835,19 @@
             </a:r>
             <a:r>
               <a:rPr kumimoji="1" lang="ja-JP" altLang="en-US" dirty="0"/>
-              <a:t>．うまく行きそうな状況を考える（起・承を考える）</a:t>
+              <a:t>．うまく行きそうな状況を考える（</a:t>
+            </a:r>
+            <a:r>
+              <a:rPr kumimoji="1" lang="ja-JP" altLang="en-US" dirty="0">
+                <a:solidFill>
+                  <a:srgbClr val="FF0000"/>
+                </a:solidFill>
+              </a:rPr>
+              <a:t>起・承を考える</a:t>
+            </a:r>
+            <a:r>
+              <a:rPr kumimoji="1" lang="ja-JP" altLang="en-US" dirty="0"/>
+              <a:t>）</a:t>
             </a:r>
             <a:endParaRPr kumimoji="1" lang="en-US" altLang="ja-JP" dirty="0"/>
           </a:p>
@@ -3825,7 +3862,19 @@
             </a:r>
             <a:r>
               <a:rPr kumimoji="1" lang="ja-JP" altLang="en-US" dirty="0"/>
-              <a:t>．うまく行かなそうな状況を考える（転を考える）</a:t>
+              <a:t>．うまく行かなそうな状況を考える（</a:t>
+            </a:r>
+            <a:r>
+              <a:rPr kumimoji="1" lang="ja-JP" altLang="en-US" dirty="0">
+                <a:solidFill>
+                  <a:srgbClr val="FF0000"/>
+                </a:solidFill>
+              </a:rPr>
+              <a:t>転を考える</a:t>
+            </a:r>
+            <a:r>
+              <a:rPr kumimoji="1" lang="ja-JP" altLang="en-US" dirty="0"/>
+              <a:t>）</a:t>
             </a:r>
             <a:endParaRPr kumimoji="1" lang="en-US" altLang="ja-JP" dirty="0"/>
           </a:p>
@@ -3840,7 +3889,19 @@
             </a:r>
             <a:r>
               <a:rPr kumimoji="1" lang="ja-JP" altLang="en-US" dirty="0"/>
-              <a:t>．うまく行かなそうな状況を解決する展開を考える（結を考える）</a:t>
+              <a:t>．うまく行かなそうな状況を解決する展開を考える（</a:t>
+            </a:r>
+            <a:r>
+              <a:rPr kumimoji="1" lang="ja-JP" altLang="en-US" dirty="0">
+                <a:solidFill>
+                  <a:srgbClr val="FF0000"/>
+                </a:solidFill>
+              </a:rPr>
+              <a:t>結を考える</a:t>
+            </a:r>
+            <a:r>
+              <a:rPr kumimoji="1" lang="ja-JP" altLang="en-US" dirty="0"/>
+              <a:t>）</a:t>
             </a:r>
           </a:p>
         </p:txBody>
@@ -3936,7 +3997,19 @@
             </a:r>
             <a:r>
               <a:rPr kumimoji="1" lang="ja-JP" altLang="en-US" dirty="0"/>
-              <a:t>．うまく行きそうな状況を考える（起・承を考える）</a:t>
+              <a:t>．うまく行きそうな状況を考える（</a:t>
+            </a:r>
+            <a:r>
+              <a:rPr kumimoji="1" lang="ja-JP" altLang="en-US" dirty="0">
+                <a:solidFill>
+                  <a:srgbClr val="FF0000"/>
+                </a:solidFill>
+              </a:rPr>
+              <a:t>起・承を考える</a:t>
+            </a:r>
+            <a:r>
+              <a:rPr kumimoji="1" lang="ja-JP" altLang="en-US" dirty="0"/>
+              <a:t>）</a:t>
             </a:r>
             <a:endParaRPr kumimoji="1" lang="en-US" altLang="ja-JP" dirty="0"/>
           </a:p>
@@ -3959,7 +4032,19 @@
             <a:pPr lvl="1"/>
             <a:r>
               <a:rPr kumimoji="1" lang="ja-JP" altLang="en-US" dirty="0"/>
-              <a:t>もともとのアイデアをただ説明するのではなく、具体的な状況の中にアイデアを置いて、元々のアイデアを展開することを意識してください。</a:t>
+              <a:t>もともとのアイデアをただ説明するのではなく、具体的な状況の中にアイデアを置いて、</a:t>
+            </a:r>
+            <a:r>
+              <a:rPr kumimoji="1" lang="ja-JP" altLang="en-US" dirty="0">
+                <a:solidFill>
+                  <a:srgbClr val="FF0000"/>
+                </a:solidFill>
+              </a:rPr>
+              <a:t>元々のアイデアを展開する</a:t>
+            </a:r>
+            <a:r>
+              <a:rPr kumimoji="1" lang="ja-JP" altLang="en-US" dirty="0"/>
+              <a:t>ことを意識してください。</a:t>
             </a:r>
           </a:p>
         </p:txBody>
@@ -4053,7 +4138,19 @@
             </a:r>
             <a:r>
               <a:rPr kumimoji="1" lang="ja-JP" altLang="en-US" dirty="0"/>
-              <a:t>．うまく行かなそうな状況を考える（転を考える）</a:t>
+              <a:t>．うまく行かなそうな状況を考える（</a:t>
+            </a:r>
+            <a:r>
+              <a:rPr kumimoji="1" lang="ja-JP" altLang="en-US" dirty="0">
+                <a:solidFill>
+                  <a:srgbClr val="FF0000"/>
+                </a:solidFill>
+              </a:rPr>
+              <a:t>転を考える</a:t>
+            </a:r>
+            <a:r>
+              <a:rPr kumimoji="1" lang="ja-JP" altLang="en-US" dirty="0"/>
+              <a:t>）</a:t>
             </a:r>
             <a:endParaRPr kumimoji="1" lang="en-US" altLang="ja-JP" dirty="0"/>
           </a:p>
@@ -4076,8 +4173,36 @@
           <a:p>
             <a:pPr lvl="1"/>
             <a:r>
-              <a:rPr kumimoji="1" lang="ja-JP" altLang="en-US" dirty="0"/>
-              <a:t>アイデアの実行可能性をチェックするのがこのステップです。</a:t>
+              <a:rPr kumimoji="1" lang="ja-JP" altLang="en-US" dirty="0">
+                <a:solidFill>
+                  <a:srgbClr val="FF0000"/>
+                </a:solidFill>
+              </a:rPr>
+              <a:t>アイデアの実行可能性をテストする</a:t>
+            </a:r>
+            <a:r>
+              <a:rPr kumimoji="1" lang="ja-JP" altLang="en-US" dirty="0"/>
+              <a:t>のがこのステップです。</a:t>
+            </a:r>
+            <a:endParaRPr kumimoji="1" lang="en-US" altLang="ja-JP" dirty="0"/>
+          </a:p>
+          <a:p>
+            <a:pPr lvl="1"/>
+            <a:r>
+              <a:rPr kumimoji="1" lang="ja-JP" altLang="en-US" dirty="0"/>
+              <a:t>ただし、</a:t>
+            </a:r>
+            <a:r>
+              <a:rPr kumimoji="1" lang="ja-JP" altLang="en-US" dirty="0">
+                <a:solidFill>
+                  <a:srgbClr val="FF0000"/>
+                </a:solidFill>
+              </a:rPr>
+              <a:t>「転」を控えめなものにしすぎると、物語としての魅力が失われます</a:t>
+            </a:r>
+            <a:r>
+              <a:rPr kumimoji="1" lang="ja-JP" altLang="en-US" dirty="0"/>
+              <a:t>。次の「結」も意識して、ちょうどいい「転」を考えてください</a:t>
             </a:r>
           </a:p>
           <a:p>
@@ -4179,7 +4304,19 @@
             </a:r>
             <a:r>
               <a:rPr kumimoji="1" lang="ja-JP" altLang="en-US" dirty="0"/>
-              <a:t>．うまく行かなそうな状況を解決する展開を考える（結を考える）</a:t>
+              <a:t>．うまく行かなそうな状況を解決する展開を考える（</a:t>
+            </a:r>
+            <a:r>
+              <a:rPr kumimoji="1" lang="ja-JP" altLang="en-US" dirty="0">
+                <a:solidFill>
+                  <a:srgbClr val="FF0000"/>
+                </a:solidFill>
+              </a:rPr>
+              <a:t>結を考える</a:t>
+            </a:r>
+            <a:r>
+              <a:rPr kumimoji="1" lang="ja-JP" altLang="en-US" dirty="0"/>
+              <a:t>）</a:t>
             </a:r>
             <a:endParaRPr kumimoji="1" lang="en-US" altLang="ja-JP" dirty="0"/>
           </a:p>
@@ -4195,13 +4332,6 @@
             <a:r>
               <a:rPr kumimoji="1" lang="ja-JP" altLang="en-US" dirty="0"/>
               <a:t>「うまく行かなそうな状況」があまりに厳しいものだと、乗り越えるための展開を考えるのは難しくなるかもしれません。その場合は、「うまく行かなそうな状況」をもう少し緩いものにするなどの調整が必要です。</a:t>
-            </a:r>
-          </a:p>
-          <a:p>
-            <a:pPr lvl="1"/>
-            <a:r>
-              <a:rPr kumimoji="1" lang="ja-JP" altLang="en-US" dirty="0"/>
-              <a:t>ただし、あまりに緩くしすぎてしまうと物語としての説得力が弱くなる可能性があるので気をつけてください。</a:t>
             </a:r>
           </a:p>
         </p:txBody>
@@ -4241,6 +4371,139 @@
           <p:cNvPr id="2" name="タイトル 1">
             <a:extLst>
               <a:ext uri="{FF2B5EF4-FFF2-40B4-BE49-F238E27FC236}">
+                <a16:creationId xmlns:a16="http://schemas.microsoft.com/office/drawing/2014/main" id="{24F4E1FE-1C6D-4729-9B7D-ED4B83127C54}"/>
+              </a:ext>
+            </a:extLst>
+          </p:cNvPr>
+          <p:cNvSpPr>
+            <a:spLocks noGrp="1"/>
+          </p:cNvSpPr>
+          <p:nvPr>
+            <p:ph type="title"/>
+          </p:nvPr>
+        </p:nvSpPr>
+        <p:spPr/>
+        <p:txBody>
+          <a:bodyPr/>
+          <a:lstStyle/>
+          <a:p>
+            <a:r>
+              <a:rPr kumimoji="1" lang="ja-JP" altLang="en-US" dirty="0"/>
+              <a:t>③物語を構成するエピソードの作成</a:t>
+            </a:r>
+          </a:p>
+        </p:txBody>
+      </p:sp>
+      <p:sp>
+        <p:nvSpPr>
+          <p:cNvPr id="3" name="コンテンツ プレースホルダー 2">
+            <a:extLst>
+              <a:ext uri="{FF2B5EF4-FFF2-40B4-BE49-F238E27FC236}">
+                <a16:creationId xmlns:a16="http://schemas.microsoft.com/office/drawing/2014/main" id="{4F9337BD-7252-4C43-8576-AD8D9924429B}"/>
+              </a:ext>
+            </a:extLst>
+          </p:cNvPr>
+          <p:cNvSpPr>
+            <a:spLocks noGrp="1"/>
+          </p:cNvSpPr>
+          <p:nvPr>
+            <p:ph idx="1"/>
+          </p:nvPr>
+        </p:nvSpPr>
+        <p:spPr/>
+        <p:txBody>
+          <a:bodyPr/>
+          <a:lstStyle/>
+          <a:p>
+            <a:r>
+              <a:rPr kumimoji="1" lang="ja-JP" altLang="en-US">
+                <a:solidFill>
+                  <a:srgbClr val="FF0000"/>
+                </a:solidFill>
+              </a:rPr>
+              <a:t>以上のステップ</a:t>
+            </a:r>
+            <a:r>
+              <a:rPr kumimoji="1" lang="en-US" altLang="ja-JP" dirty="0">
+                <a:solidFill>
+                  <a:srgbClr val="FF0000"/>
+                </a:solidFill>
+              </a:rPr>
+              <a:t>1</a:t>
+            </a:r>
+            <a:r>
+              <a:rPr kumimoji="1" lang="ja-JP" altLang="en-US" dirty="0">
+                <a:solidFill>
+                  <a:srgbClr val="FF0000"/>
+                </a:solidFill>
+              </a:rPr>
+              <a:t>から</a:t>
+            </a:r>
+            <a:r>
+              <a:rPr kumimoji="1" lang="en-US" altLang="ja-JP" dirty="0">
+                <a:solidFill>
+                  <a:srgbClr val="FF0000"/>
+                </a:solidFill>
+              </a:rPr>
+              <a:t>3</a:t>
+            </a:r>
+            <a:r>
+              <a:rPr kumimoji="1" lang="ja-JP" altLang="en-US" dirty="0">
+                <a:solidFill>
+                  <a:srgbClr val="FF0000"/>
+                </a:solidFill>
+              </a:rPr>
+              <a:t>は、チームメンバーで分担して取り組んでも構いません</a:t>
+            </a:r>
+            <a:endParaRPr kumimoji="1" lang="en-US" altLang="ja-JP" dirty="0">
+              <a:solidFill>
+                <a:srgbClr val="FF0000"/>
+              </a:solidFill>
+            </a:endParaRPr>
+          </a:p>
+          <a:p>
+            <a:endParaRPr lang="en-US" altLang="ja-JP" dirty="0"/>
+          </a:p>
+          <a:p>
+            <a:endParaRPr kumimoji="1" lang="ja-JP" altLang="en-US" dirty="0"/>
+          </a:p>
+        </p:txBody>
+      </p:sp>
+    </p:spTree>
+    <p:extLst>
+      <p:ext uri="{BB962C8B-B14F-4D97-AF65-F5344CB8AC3E}">
+        <p14:creationId xmlns:p14="http://schemas.microsoft.com/office/powerpoint/2010/main" val="2787102263"/>
+      </p:ext>
+    </p:extLst>
+  </p:cSld>
+  <p:clrMapOvr>
+    <a:masterClrMapping/>
+  </p:clrMapOvr>
+</p:sld>
+</file>
+
+<file path=ppt/slides/slide15.xml><?xml version="1.0" encoding="utf-8"?>
+<p:sld xmlns:a="http://schemas.openxmlformats.org/drawingml/2006/main" xmlns:r="http://schemas.openxmlformats.org/officeDocument/2006/relationships" xmlns:p="http://schemas.openxmlformats.org/presentationml/2006/main">
+  <p:cSld>
+    <p:spTree>
+      <p:nvGrpSpPr>
+        <p:cNvPr id="1" name=""/>
+        <p:cNvGrpSpPr/>
+        <p:nvPr/>
+      </p:nvGrpSpPr>
+      <p:grpSpPr>
+        <a:xfrm>
+          <a:off x="0" y="0"/>
+          <a:ext cx="0" cy="0"/>
+          <a:chOff x="0" y="0"/>
+          <a:chExt cx="0" cy="0"/>
+        </a:xfrm>
+      </p:grpSpPr>
+      <p:sp>
+        <p:nvSpPr>
+          <p:cNvPr id="2" name="タイトル 1">
+            <a:extLst>
+              <a:ext uri="{FF2B5EF4-FFF2-40B4-BE49-F238E27FC236}">
                 <a16:creationId xmlns:a16="http://schemas.microsoft.com/office/drawing/2014/main" id="{E4305A53-9E96-449E-8A41-E25579FC8704}"/>
               </a:ext>
             </a:extLst>
@@ -4443,7 +4706,7 @@
             <a:pPr lvl="1"/>
             <a:r>
               <a:rPr lang="ja-JP" altLang="en-US" dirty="0"/>
-              <a:t>物語を読んだ人が、「自分もこんな生活をしよう」と思う物語をつくりましょう</a:t>
+              <a:t>物語を読んだ人が、「自分もこんな生活をしよう」と思う物語をつくる</a:t>
             </a:r>
             <a:endParaRPr lang="en-US" altLang="ja-JP" dirty="0"/>
           </a:p>
@@ -4577,7 +4840,7 @@
             </a:r>
             <a:r>
               <a:rPr kumimoji="1" lang="ja-JP" altLang="en-US" dirty="0"/>
-              <a:t>　プロファイルワークシートに書き込む</a:t>
+              <a:t>　衣服プロファイルシートをつくる</a:t>
             </a:r>
             <a:endParaRPr kumimoji="1" lang="en-US" altLang="ja-JP" dirty="0"/>
           </a:p>
@@ -4593,7 +4856,7 @@
             </a:r>
             <a:r>
               <a:rPr kumimoji="1" lang="ja-JP" altLang="en-US" dirty="0"/>
-              <a:t>　キャラクターシートに書き込む</a:t>
+              <a:t>　キャラクターシートをつくる</a:t>
             </a:r>
             <a:endParaRPr kumimoji="1" lang="en-US" altLang="ja-JP" dirty="0"/>
           </a:p>
@@ -4609,7 +4872,7 @@
             </a:r>
             <a:r>
               <a:rPr kumimoji="1" lang="ja-JP" altLang="en-US" dirty="0"/>
-              <a:t>　「衣服との新しいつきあい方」についてアイデアを出す</a:t>
+              <a:t>　「衣服との新しいつきあい方」についてアイデアをまとめる</a:t>
             </a:r>
             <a:endParaRPr kumimoji="1" lang="en-US" altLang="ja-JP" dirty="0"/>
           </a:p>
@@ -4644,7 +4907,7 @@
             </a:r>
             <a:r>
               <a:rPr kumimoji="1" lang="ja-JP" altLang="en-US" dirty="0"/>
-              <a:t>　プロファイルワークシートをひとつに絞り込む</a:t>
+              <a:t>　衣服プロファイルシートをひとつに絞り込む</a:t>
             </a:r>
             <a:endParaRPr kumimoji="1" lang="en-US" altLang="ja-JP" dirty="0"/>
           </a:p>
@@ -4832,7 +5095,7 @@
             </a:r>
             <a:r>
               <a:rPr kumimoji="1" lang="ja-JP" altLang="en-US" dirty="0"/>
-              <a:t>　プロファイルワークシートに書き込む</a:t>
+              <a:t>　衣服プロファイルシートに書き込む</a:t>
             </a:r>
             <a:endParaRPr kumimoji="1" lang="en-US" altLang="ja-JP" dirty="0"/>
           </a:p>
@@ -4840,7 +5103,7 @@
             <a:pPr lvl="1"/>
             <a:r>
               <a:rPr kumimoji="1" lang="ja-JP" altLang="en-US" dirty="0"/>
-              <a:t>物語に登場する衣服を決めるため、プロファイルワークシートを完成させます</a:t>
+              <a:t>物語に登場する衣服を決めるため、衣服プロファイルシートを完成させます</a:t>
             </a:r>
             <a:endParaRPr kumimoji="1" lang="en-US" altLang="ja-JP" dirty="0"/>
           </a:p>
@@ -4981,7 +5244,15 @@
             <a:pPr lvl="1"/>
             <a:r>
               <a:rPr kumimoji="1" lang="ja-JP" altLang="en-US" dirty="0"/>
-              <a:t>基本的に、プロファイルワークシートに書いた衣服を着ていた人をモデルにしてください。設定にはある程度フィクションが入り込んでも構いません（年齢や性別を変える等）</a:t>
+              <a:t>基本的に、衣服プロファイルシートに書いた衣服を着ていた人をモデルにしてください</a:t>
+            </a:r>
+            <a:endParaRPr kumimoji="1" lang="en-US" altLang="ja-JP" dirty="0"/>
+          </a:p>
+          <a:p>
+            <a:pPr lvl="1"/>
+            <a:r>
+              <a:rPr kumimoji="1" lang="ja-JP" altLang="en-US" dirty="0"/>
+              <a:t>設定にはある程度フィクションが入り込んでも構いません（年齢や性別を変える等）</a:t>
             </a:r>
             <a:endParaRPr lang="en-US" altLang="ja-JP" dirty="0"/>
           </a:p>
@@ -4989,7 +5260,7 @@
             <a:pPr lvl="1"/>
             <a:r>
               <a:rPr kumimoji="1" lang="ja-JP" altLang="en-US" dirty="0"/>
-              <a:t>主人公は物語内で、プロファイルワークシートに記載された衣服について「衣服との新しいつきあい方」を実践する人物です</a:t>
+              <a:t>主人公は物語内で、衣服プロファイルシートに記載された衣服について「衣服との新しいつきあい方」を実践する人物です</a:t>
             </a:r>
             <a:endParaRPr kumimoji="1" lang="en-US" altLang="ja-JP" dirty="0"/>
           </a:p>
@@ -5096,62 +5367,61 @@
           <a:p>
             <a:pPr lvl="1"/>
             <a:r>
-              <a:rPr kumimoji="1" lang="ja-JP" altLang="en-US" dirty="0"/>
-              <a:t>「自分もこんな生活をしよう」という言葉をできるだけ広く捉えてください</a:t>
-            </a:r>
-            <a:endParaRPr kumimoji="1" lang="en-US" altLang="ja-JP" dirty="0"/>
-          </a:p>
-          <a:p>
-            <a:pPr lvl="2"/>
-            <a:r>
-              <a:rPr kumimoji="1" lang="ja-JP" altLang="en-US" dirty="0"/>
-              <a:t>「楽しそう」だから「自分もこんな生活をしよう」と思うこともあれば、「その方が社会や自然環境にとって良い」から「自分もこんな生活をしよう」と思うこともあります。</a:t>
-            </a:r>
-            <a:endParaRPr kumimoji="1" lang="en-US" altLang="ja-JP" dirty="0"/>
-          </a:p>
-          <a:p>
-            <a:pPr lvl="1"/>
-            <a:r>
-              <a:rPr kumimoji="1" lang="ja-JP" altLang="en-US" dirty="0">
-                <a:solidFill>
-                  <a:schemeClr val="accent1"/>
-                </a:solidFill>
-              </a:rPr>
-              <a:t>（</a:t>
-            </a:r>
-            <a:r>
-              <a:rPr kumimoji="1" lang="ja-JP" altLang="en-US" dirty="0">
-                <a:solidFill>
-                  <a:schemeClr val="accent1"/>
-                </a:solidFill>
-                <a:highlight>
-                  <a:srgbClr val="FFFF00"/>
-                </a:highlight>
-              </a:rPr>
-              <a:t>思いつかない。できるだけ、ぶっ飛んだことを考えてほしいということなんだけど。物語としても魅力的なものでなくてはならない、ということかな？）　→「自分もこんな生活をしよう」だけだと、そこまでぶっ飛んでくれないかも。　→</a:t>
-            </a:r>
-            <a:r>
               <a:rPr kumimoji="1" lang="ja-JP" altLang="en-US" dirty="0">
                 <a:solidFill>
                   <a:srgbClr val="FF0000"/>
                 </a:solidFill>
-                <a:highlight>
-                  <a:srgbClr val="FFFF00"/>
-                </a:highlight>
               </a:rPr>
-              <a:t>「心を動かされる」とかの方がよい？</a:t>
+              <a:t>「自分もこんな生活をしよう」という言葉をできるだけ広く捉えてください</a:t>
             </a:r>
             <a:endParaRPr kumimoji="1" lang="en-US" altLang="ja-JP" dirty="0">
               <a:solidFill>
                 <a:srgbClr val="FF0000"/>
               </a:solidFill>
-              <a:highlight>
-                <a:srgbClr val="FFFF00"/>
-              </a:highlight>
             </a:endParaRPr>
           </a:p>
           <a:p>
             <a:pPr lvl="2"/>
+            <a:r>
+              <a:rPr kumimoji="1" lang="ja-JP" altLang="en-US" dirty="0"/>
+              <a:t>「楽しそう」だから「自分もこんな生活をしよう」と思うこともあれば、「その方が社会や自然環境にとって良い」から「自分もこんな生活をしよう」と思うこともあります。</a:t>
+            </a:r>
+            <a:endParaRPr kumimoji="1" lang="en-US" altLang="ja-JP" dirty="0"/>
+          </a:p>
+          <a:p>
+            <a:pPr lvl="1"/>
+            <a:r>
+              <a:rPr kumimoji="1" lang="ja-JP" altLang="en-US" dirty="0"/>
+              <a:t>ここで考えるアイデアは物語の核になります</a:t>
+            </a:r>
+            <a:endParaRPr kumimoji="1" lang="en-US" altLang="ja-JP" dirty="0"/>
+          </a:p>
+          <a:p>
+            <a:pPr lvl="1"/>
+            <a:r>
+              <a:rPr kumimoji="1" lang="ja-JP" altLang="en-US" dirty="0">
+                <a:solidFill>
+                  <a:srgbClr val="FF0000"/>
+                </a:solidFill>
+              </a:rPr>
+              <a:t>相手の心を動かす魅力ある物語</a:t>
+            </a:r>
+            <a:r>
+              <a:rPr kumimoji="1" lang="ja-JP" altLang="en-US" dirty="0"/>
+              <a:t>をつくるために、</a:t>
+            </a:r>
+            <a:r>
+              <a:rPr kumimoji="1" lang="ja-JP" altLang="en-US" dirty="0">
+                <a:solidFill>
+                  <a:srgbClr val="FF0000"/>
+                </a:solidFill>
+              </a:rPr>
+              <a:t>常識にとらわれない斬新なアイデア</a:t>
+            </a:r>
+            <a:r>
+              <a:rPr kumimoji="1" lang="ja-JP" altLang="en-US" dirty="0"/>
+              <a:t>を目指してください</a:t>
+            </a:r>
             <a:endParaRPr kumimoji="1" lang="en-US" altLang="ja-JP" dirty="0"/>
           </a:p>
           <a:p>
@@ -5411,90 +5681,68 @@
           <a:lstStyle/>
           <a:p>
             <a:r>
+              <a:rPr kumimoji="1" lang="ja-JP" altLang="en-US" u="sng" dirty="0">
+                <a:solidFill>
+                  <a:srgbClr val="FF0000"/>
+                </a:solidFill>
+              </a:rPr>
+              <a:t>衣服プロファイルシート、キャラクターシート、アイデアはバラバラに考えないでください</a:t>
+            </a:r>
+            <a:endParaRPr kumimoji="1" lang="en-US" altLang="ja-JP" u="sng" dirty="0">
+              <a:solidFill>
+                <a:srgbClr val="FF0000"/>
+              </a:solidFill>
+            </a:endParaRPr>
+          </a:p>
+          <a:p>
+            <a:endParaRPr lang="en-US" altLang="ja-JP" dirty="0"/>
+          </a:p>
+          <a:p>
+            <a:r>
               <a:rPr kumimoji="1" lang="ja-JP" altLang="en-US" dirty="0">
-                <a:highlight>
-                  <a:srgbClr val="FFFF00"/>
-                </a:highlight>
+                <a:solidFill>
+                  <a:srgbClr val="FF0000"/>
+                </a:solidFill>
               </a:rPr>
-              <a:t>アイデアと、プロファイルワークシートに書いた衣服がうまくかみ合わないときは、衣服の方を書き換えても構いません</a:t>
-            </a:r>
-            <a:endParaRPr lang="en-US" altLang="ja-JP" dirty="0">
-              <a:highlight>
-                <a:srgbClr val="FFFF00"/>
-              </a:highlight>
-            </a:endParaRPr>
-          </a:p>
-          <a:p>
-            <a:pPr lvl="1"/>
+              <a:t>衣服プロファイルシート</a:t>
+            </a:r>
+            <a:r>
+              <a:rPr kumimoji="1" lang="ja-JP" altLang="en-US" dirty="0"/>
+              <a:t>に書いた衣服を、</a:t>
+            </a:r>
             <a:r>
               <a:rPr kumimoji="1" lang="ja-JP" altLang="en-US" dirty="0">
-                <a:highlight>
-                  <a:srgbClr val="FFFF00"/>
-                </a:highlight>
+                <a:solidFill>
+                  <a:srgbClr val="FF0000"/>
+                </a:solidFill>
               </a:rPr>
-              <a:t>衣服の設定にある程度フィクションの要素が入っても構いません</a:t>
-            </a:r>
-            <a:endParaRPr kumimoji="1" lang="en-US" altLang="ja-JP" dirty="0">
-              <a:highlight>
-                <a:srgbClr val="FFFF00"/>
-              </a:highlight>
-            </a:endParaRPr>
-          </a:p>
-          <a:p>
-            <a:pPr lvl="1"/>
+              <a:t>キャラクターシート</a:t>
+            </a:r>
+            <a:r>
+              <a:rPr kumimoji="1" lang="ja-JP" altLang="en-US" dirty="0"/>
+              <a:t>に書いた主人公が着て、「</a:t>
+            </a:r>
             <a:r>
               <a:rPr kumimoji="1" lang="ja-JP" altLang="en-US" dirty="0">
-                <a:highlight>
-                  <a:srgbClr val="FFFF00"/>
-                </a:highlight>
+                <a:solidFill>
+                  <a:srgbClr val="FF0000"/>
+                </a:solidFill>
               </a:rPr>
-              <a:t>どうしてもアイデアとかみ合わないときは、自分の身近な人の衣服を参考にしても構いません</a:t>
-            </a:r>
-            <a:endParaRPr kumimoji="1" lang="en-US" altLang="ja-JP" dirty="0">
-              <a:highlight>
-                <a:srgbClr val="FFFF00"/>
-              </a:highlight>
-            </a:endParaRPr>
-          </a:p>
-          <a:p>
-            <a:pPr lvl="1"/>
-            <a:r>
-              <a:rPr kumimoji="1" lang="ja-JP" altLang="en-US" dirty="0">
-                <a:highlight>
-                  <a:srgbClr val="FFFF00"/>
-                </a:highlight>
-              </a:rPr>
-              <a:t>衣服の設定を決めるにあたり、身近でない人の衣服を参考にしたり、完全にフィクションにしてしまったりするのはなるべく避けてください</a:t>
-            </a:r>
-            <a:endParaRPr kumimoji="1" lang="en-US" altLang="ja-JP" dirty="0">
-              <a:highlight>
-                <a:srgbClr val="FFFF00"/>
-              </a:highlight>
-            </a:endParaRPr>
-          </a:p>
-          <a:p>
-            <a:r>
-              <a:rPr lang="ja-JP" altLang="en-US" dirty="0">
-                <a:highlight>
-                  <a:srgbClr val="FFFF00"/>
-                </a:highlight>
-              </a:rPr>
-              <a:t>（↑　ちょっとくどい）</a:t>
-            </a:r>
-            <a:endParaRPr lang="en-US" altLang="ja-JP" dirty="0">
-              <a:highlight>
-                <a:srgbClr val="FFFF00"/>
-              </a:highlight>
-            </a:endParaRPr>
-          </a:p>
-          <a:p>
-            <a:pPr marL="0" indent="0">
-              <a:buNone/>
-            </a:pPr>
-            <a:endParaRPr lang="en-US" altLang="ja-JP" dirty="0"/>
-          </a:p>
-          <a:p>
-            <a:endParaRPr kumimoji="1" lang="ja-JP" altLang="en-US" dirty="0"/>
+              <a:t>新しい衣服とのつきあい方</a:t>
+            </a:r>
+            <a:r>
+              <a:rPr kumimoji="1" lang="ja-JP" altLang="en-US" dirty="0"/>
+              <a:t>」に関するアイデアを実践する</a:t>
+            </a:r>
+            <a:r>
+              <a:rPr kumimoji="1" lang="en-US" altLang="ja-JP" dirty="0"/>
+              <a:t>……</a:t>
+            </a:r>
+            <a:r>
+              <a:rPr kumimoji="1" lang="ja-JP" altLang="en-US" dirty="0"/>
+              <a:t>という風に、それぞれが関係し合っていることに注意してください</a:t>
+            </a:r>
+            <a:endParaRPr kumimoji="1" lang="en-US" altLang="ja-JP" dirty="0"/>
           </a:p>
         </p:txBody>
       </p:sp>
@@ -5605,7 +5853,7 @@
             </a:r>
             <a:r>
               <a:rPr kumimoji="1" lang="ja-JP" altLang="en-US" dirty="0"/>
-              <a:t>　プロファイルワークシートをひとつに絞り込む</a:t>
+              <a:t>　衣服プロファイルシートをひとつに絞り込む</a:t>
             </a:r>
             <a:endParaRPr kumimoji="1" lang="en-US" altLang="ja-JP" dirty="0"/>
           </a:p>
